--- a/Unidades/Unidad 13 Shapes.pptx
+++ b/Unidades/Unidad 13 Shapes.pptx
@@ -5,7 +5,7 @@
     <p:sldMasterId id="2147483660" r:id="rId1"/>
   </p:sldMasterIdLst>
   <p:notesMasterIdLst>
-    <p:notesMasterId r:id="rId11"/>
+    <p:notesMasterId r:id="rId12"/>
   </p:notesMasterIdLst>
   <p:sldIdLst>
     <p:sldId id="256" r:id="rId2"/>
@@ -17,6 +17,7 @@
     <p:sldId id="263" r:id="rId8"/>
     <p:sldId id="264" r:id="rId9"/>
     <p:sldId id="265" r:id="rId10"/>
+    <p:sldId id="266" r:id="rId11"/>
   </p:sldIdLst>
   <p:sldSz cx="9144000" cy="6858000" type="screen4x3"/>
   <p:notesSz cx="6858000" cy="9144000"/>
@@ -4235,6 +4236,294 @@
   </p:cSld>
   <p:clrMapOvr>
     <a:overrideClrMapping bg1="dk1" tx1="lt1" bg2="dk2" tx2="lt2" accent1="accent1" accent2="accent2" accent3="accent3" accent4="accent4" accent5="accent5" accent6="accent6" hlink="hlink" folHlink="folHlink"/>
+  </p:clrMapOvr>
+  <p:timing>
+    <p:tnLst>
+      <p:par>
+        <p:cTn id="1" dur="indefinite" restart="never" nodeType="tmRoot"/>
+      </p:par>
+    </p:tnLst>
+  </p:timing>
+</p:sld>
+</file>
+
+<file path=ppt/slides/slide10.xml><?xml version="1.0" encoding="utf-8"?>
+<p:sld xmlns:a="http://schemas.openxmlformats.org/drawingml/2006/main" xmlns:r="http://schemas.openxmlformats.org/officeDocument/2006/relationships" xmlns:p="http://schemas.openxmlformats.org/presentationml/2006/main">
+  <p:cSld>
+    <p:spTree>
+      <p:nvGrpSpPr>
+        <p:cNvPr id="1" name=""/>
+        <p:cNvGrpSpPr/>
+        <p:nvPr/>
+      </p:nvGrpSpPr>
+      <p:grpSpPr>
+        <a:xfrm>
+          <a:off x="0" y="0"/>
+          <a:ext cx="0" cy="0"/>
+          <a:chOff x="0" y="0"/>
+          <a:chExt cx="0" cy="0"/>
+        </a:xfrm>
+      </p:grpSpPr>
+      <p:sp>
+        <p:nvSpPr>
+          <p:cNvPr id="2" name="1 Título"/>
+          <p:cNvSpPr>
+            <a:spLocks noGrp="1"/>
+          </p:cNvSpPr>
+          <p:nvPr>
+            <p:ph type="title"/>
+          </p:nvPr>
+        </p:nvSpPr>
+        <p:spPr/>
+        <p:txBody>
+          <a:bodyPr>
+            <a:normAutofit/>
+          </a:bodyPr>
+          <a:lstStyle/>
+          <a:p>
+            <a:r>
+              <a:rPr lang="en-US" b="1" i="1" dirty="0" err="1" smtClean="0">
+                <a:solidFill>
+                  <a:schemeClr val="accent1">
+                    <a:lumMod val="75000"/>
+                  </a:schemeClr>
+                </a:solidFill>
+              </a:rPr>
+              <a:t>Ejercicio</a:t>
+            </a:r>
+            <a:r>
+              <a:rPr lang="en-US" b="1" i="1" dirty="0" smtClean="0">
+                <a:solidFill>
+                  <a:schemeClr val="accent1">
+                    <a:lumMod val="75000"/>
+                  </a:schemeClr>
+                </a:solidFill>
+              </a:rPr>
+              <a:t> 2</a:t>
+            </a:r>
+            <a:endParaRPr lang="en-US" b="1" i="1" dirty="0" smtClean="0">
+              <a:solidFill>
+                <a:schemeClr val="accent1">
+                  <a:lumMod val="75000"/>
+                </a:schemeClr>
+              </a:solidFill>
+            </a:endParaRPr>
+          </a:p>
+        </p:txBody>
+      </p:sp>
+      <p:sp>
+        <p:nvSpPr>
+          <p:cNvPr id="3" name="2 Marcador de contenido"/>
+          <p:cNvSpPr>
+            <a:spLocks noGrp="1"/>
+          </p:cNvSpPr>
+          <p:nvPr>
+            <p:ph idx="1"/>
+          </p:nvPr>
+        </p:nvSpPr>
+        <p:spPr>
+          <a:xfrm>
+            <a:off x="467544" y="1412776"/>
+            <a:ext cx="7467600" cy="4525963"/>
+          </a:xfrm>
+        </p:spPr>
+        <p:txBody>
+          <a:bodyPr>
+            <a:noAutofit/>
+          </a:bodyPr>
+          <a:lstStyle/>
+          <a:p>
+            <a:pPr marL="36576" indent="0">
+              <a:buNone/>
+            </a:pPr>
+            <a:r>
+              <a:rPr lang="es-ES" sz="1800" dirty="0" smtClean="0"/>
+              <a:t>Realizar </a:t>
+            </a:r>
+            <a:r>
+              <a:rPr lang="es-ES" sz="1800" dirty="0" smtClean="0"/>
+              <a:t>un juego típico de buscar las diferencias.</a:t>
+            </a:r>
+          </a:p>
+          <a:p>
+            <a:r>
+              <a:rPr lang="es-ES" sz="1800" dirty="0" smtClean="0"/>
+              <a:t>Debemos tener dos imágenes con varias diferencias. Podéis buscarlas </a:t>
+            </a:r>
+            <a:r>
+              <a:rPr lang="es-ES" sz="1800" smtClean="0"/>
+              <a:t>por internet.</a:t>
+            </a:r>
+            <a:endParaRPr lang="es-ES" sz="1800" dirty="0" smtClean="0"/>
+          </a:p>
+          <a:p>
+            <a:r>
+              <a:rPr lang="es-ES" sz="1800" dirty="0" smtClean="0"/>
+              <a:t>Cada vez que pulsemos en una de ellas debe aparecer un círculo en ambas imágenes indicando la diferencia.</a:t>
+            </a:r>
+          </a:p>
+          <a:p>
+            <a:r>
+              <a:rPr lang="es-ES" sz="1800" dirty="0" smtClean="0"/>
+              <a:t>Debemos mostrar un contador indicando el número de diferencias que ha encontrado y las que faltan.</a:t>
+            </a:r>
+          </a:p>
+          <a:p>
+            <a:r>
+              <a:rPr lang="es-ES" sz="1800" dirty="0" smtClean="0"/>
+              <a:t>Debemos dar un mensaje de enhorabuena cuando encuentre todas.</a:t>
+            </a:r>
+          </a:p>
+          <a:p>
+            <a:endParaRPr lang="es-ES" sz="1800" dirty="0"/>
+          </a:p>
+          <a:p>
+            <a:pPr marL="36576" indent="0">
+              <a:buNone/>
+            </a:pPr>
+            <a:r>
+              <a:rPr lang="es-ES" sz="1800" dirty="0" smtClean="0"/>
+              <a:t>Una pista: los círculos deben tener opacidad cero porque si los deshabilitamos, no funcionarán los eventos en él.</a:t>
+            </a:r>
+            <a:endParaRPr lang="es-ES" sz="1800" dirty="0" smtClean="0"/>
+          </a:p>
+          <a:p>
+            <a:pPr>
+              <a:buNone/>
+            </a:pPr>
+            <a:endParaRPr lang="es-ES" sz="1800" dirty="0" smtClean="0"/>
+          </a:p>
+          <a:p>
+            <a:pPr>
+              <a:buNone/>
+            </a:pPr>
+            <a:endParaRPr lang="es-ES" sz="1800" dirty="0" smtClean="0"/>
+          </a:p>
+        </p:txBody>
+      </p:sp>
+      <p:sp>
+        <p:nvSpPr>
+          <p:cNvPr id="6" name="3 Marcador de pie de página"/>
+          <p:cNvSpPr txBox="1">
+            <a:spLocks/>
+          </p:cNvSpPr>
+          <p:nvPr/>
+        </p:nvSpPr>
+        <p:spPr>
+          <a:xfrm>
+            <a:off x="6156176" y="6381328"/>
+            <a:ext cx="2895600" cy="365125"/>
+          </a:xfrm>
+          <a:prstGeom prst="rect">
+            <a:avLst/>
+          </a:prstGeom>
+        </p:spPr>
+        <p:txBody>
+          <a:bodyPr vert="horz" lIns="0" rIns="0" bIns="0" anchor="b"/>
+          <a:lstStyle/>
+          <a:p>
+            <a:pPr marL="0" marR="0" lvl="0" indent="0" algn="r" defTabSz="914400" rtl="0" eaLnBrk="1" fontAlgn="auto" latinLnBrk="0" hangingPunct="1">
+              <a:lnSpc>
+                <a:spcPct val="100000"/>
+              </a:lnSpc>
+              <a:spcBef>
+                <a:spcPts val="0"/>
+              </a:spcBef>
+              <a:spcAft>
+                <a:spcPts val="0"/>
+              </a:spcAft>
+              <a:buClrTx/>
+              <a:buSzTx/>
+              <a:buFontTx/>
+              <a:buNone/>
+              <a:tabLst/>
+              <a:defRPr/>
+            </a:pPr>
+            <a:r>
+              <a:rPr kumimoji="0" lang="es-ES" sz="1000" b="0" i="0" u="none" strike="noStrike" kern="1200" cap="none" spc="0" normalizeH="0" baseline="0" noProof="0" dirty="0" smtClean="0">
+                <a:ln>
+                  <a:noFill/>
+                </a:ln>
+                <a:solidFill>
+                  <a:schemeClr val="tx2">
+                    <a:shade val="50000"/>
+                  </a:schemeClr>
+                </a:solidFill>
+                <a:effectLst/>
+                <a:uLnTx/>
+                <a:uFillTx/>
+                <a:latin typeface="+mn-lt"/>
+                <a:ea typeface="+mn-ea"/>
+                <a:cs typeface="+mn-cs"/>
+              </a:rPr>
+              <a:t>Ciclo: D.A.M.  ----  Desarrollo de Interfaces</a:t>
+            </a:r>
+          </a:p>
+          <a:p>
+            <a:pPr marL="0" marR="0" lvl="0" indent="0" algn="r" defTabSz="914400" rtl="0" eaLnBrk="1" fontAlgn="auto" latinLnBrk="0" hangingPunct="1">
+              <a:lnSpc>
+                <a:spcPct val="100000"/>
+              </a:lnSpc>
+              <a:spcBef>
+                <a:spcPts val="0"/>
+              </a:spcBef>
+              <a:spcAft>
+                <a:spcPts val="0"/>
+              </a:spcAft>
+              <a:buClrTx/>
+              <a:buSzTx/>
+              <a:buFontTx/>
+              <a:buNone/>
+              <a:tabLst/>
+              <a:defRPr/>
+            </a:pPr>
+            <a:r>
+              <a:rPr kumimoji="0" lang="es-ES" sz="1000" b="0" i="0" u="none" strike="noStrike" kern="1200" cap="none" spc="0" normalizeH="0" baseline="0" noProof="0" dirty="0" smtClean="0">
+                <a:ln>
+                  <a:noFill/>
+                </a:ln>
+                <a:solidFill>
+                  <a:schemeClr val="tx2">
+                    <a:shade val="50000"/>
+                  </a:schemeClr>
+                </a:solidFill>
+                <a:effectLst/>
+                <a:uLnTx/>
+                <a:uFillTx/>
+                <a:latin typeface="+mn-lt"/>
+                <a:ea typeface="+mn-ea"/>
+                <a:cs typeface="+mn-cs"/>
+              </a:rPr>
+              <a:t>I.E.S. Nervión  ----  Fernando Galiana</a:t>
+            </a:r>
+            <a:endParaRPr kumimoji="0" lang="es-ES" sz="1000" b="0" i="0" u="none" strike="noStrike" kern="1200" cap="none" spc="0" normalizeH="0" baseline="0" noProof="0" dirty="0">
+              <a:ln>
+                <a:noFill/>
+              </a:ln>
+              <a:solidFill>
+                <a:schemeClr val="tx2">
+                  <a:shade val="50000"/>
+                </a:schemeClr>
+              </a:solidFill>
+              <a:effectLst/>
+              <a:uLnTx/>
+              <a:uFillTx/>
+              <a:latin typeface="+mn-lt"/>
+              <a:ea typeface="+mn-ea"/>
+              <a:cs typeface="+mn-cs"/>
+            </a:endParaRPr>
+          </a:p>
+        </p:txBody>
+      </p:sp>
+    </p:spTree>
+    <p:extLst>
+      <p:ext uri="{BB962C8B-B14F-4D97-AF65-F5344CB8AC3E}">
+        <p14:creationId xmlns:p14="http://schemas.microsoft.com/office/powerpoint/2010/main" val="873271741"/>
+      </p:ext>
+    </p:extLst>
+  </p:cSld>
+  <p:clrMapOvr>
+    <a:masterClrMapping/>
   </p:clrMapOvr>
   <p:timing>
     <p:tnLst>
